--- a/Face_Recognition_Presentationpptx.pptx
+++ b/Face_Recognition_Presentationpptx.pptx
@@ -4962,7 +4962,7 @@
             <a:pPr lvl="1"/>
             <a:r>
               <a:rPr lang="en-US" dirty="0"/>
-              <a:t>We can take not ideal classifier and apply it only if the first model provides negative results</a:t>
+              <a:t>We can take a not-ideal classifier and apply it only if the first model provides negative results</a:t>
             </a:r>
           </a:p>
           <a:p>
@@ -4977,8 +4977,8 @@
           </a:p>
         </p:txBody>
       </p:sp>
-      <mc:AlternateContent xmlns:mc="http://schemas.openxmlformats.org/markup-compatibility/2006">
-        <mc:Choice xmlns:a14="http://schemas.microsoft.com/office/drawing/2010/main" Requires="a14">
+      <mc:AlternateContent xmlns:mc="http://schemas.openxmlformats.org/markup-compatibility/2006" xmlns:a14="http://schemas.microsoft.com/office/drawing/2010/main">
+        <mc:Choice Requires="a14">
           <p:sp>
             <p:nvSpPr>
               <p:cNvPr id="4" name="TextBox 3">
@@ -5232,7 +5232,7 @@
             </p:txBody>
           </p:sp>
         </mc:Choice>
-        <mc:Fallback>
+        <mc:Fallback xmlns="">
           <p:sp>
             <p:nvSpPr>
               <p:cNvPr id="4" name="TextBox 3">
@@ -5277,8 +5277,8 @@
           </p:sp>
         </mc:Fallback>
       </mc:AlternateContent>
-      <mc:AlternateContent xmlns:mc="http://schemas.openxmlformats.org/markup-compatibility/2006">
-        <mc:Choice xmlns:a14="http://schemas.microsoft.com/office/drawing/2010/main" Requires="a14">
+      <mc:AlternateContent xmlns:mc="http://schemas.openxmlformats.org/markup-compatibility/2006" xmlns:a14="http://schemas.microsoft.com/office/drawing/2010/main">
+        <mc:Choice Requires="a14">
           <p:sp>
             <p:nvSpPr>
               <p:cNvPr id="5" name="TextBox 4">
@@ -5476,7 +5476,7 @@
             </p:txBody>
           </p:sp>
         </mc:Choice>
-        <mc:Fallback>
+        <mc:Fallback xmlns="">
           <p:sp>
             <p:nvSpPr>
               <p:cNvPr id="5" name="TextBox 4">
@@ -7249,8 +7249,8 @@
           </a:p>
         </p:txBody>
       </p:sp>
-      <mc:AlternateContent xmlns:mc="http://schemas.openxmlformats.org/markup-compatibility/2006">
-        <mc:Choice xmlns:a14="http://schemas.microsoft.com/office/drawing/2010/main" Requires="a14">
+      <mc:AlternateContent xmlns:mc="http://schemas.openxmlformats.org/markup-compatibility/2006" xmlns:a14="http://schemas.microsoft.com/office/drawing/2010/main">
+        <mc:Choice Requires="a14">
           <p:graphicFrame>
             <p:nvGraphicFramePr>
               <p:cNvPr id="7" name="Content Placeholder 5">
@@ -7771,7 +7771,7 @@
             </a:graphic>
           </p:graphicFrame>
         </mc:Choice>
-        <mc:Fallback>
+        <mc:Fallback xmlns="">
           <p:graphicFrame>
             <p:nvGraphicFramePr>
               <p:cNvPr id="7" name="Content Placeholder 5">
